--- a/Documents/YijieGuo_YuChen_Presentation.pptx
+++ b/Documents/YijieGuo_YuChen_Presentation.pptx
@@ -792,7 +792,7 @@
           <a:bodyPr/>
           <a:lstStyle/>
           <a:p>
-            <a:fld id="{9184DA70-C731-4C70-880D-CCD4705E623C}" type="datetime1">
+            <a:fld id="{1E513926-0B49-4C62-B658-D0958BC74882}" type="datetime1">
               <a:rPr lang="en-US" smtClean="0"/>
               <a:t>5/9/2021</a:t>
             </a:fld>
@@ -821,6 +821,10 @@
           <a:bodyPr/>
           <a:lstStyle/>
           <a:p>
+            <a:r>
+              <a:rPr lang="en-US"/>
+              <a:t>yg2418@nyu</a:t>
+            </a:r>
             <a:endParaRPr lang="en-US" dirty="0"/>
           </a:p>
         </p:txBody>
@@ -980,7 +984,7 @@
           <a:bodyPr/>
           <a:lstStyle/>
           <a:p>
-            <a:fld id="{B612A279-0833-481D-8C56-F67FD0AC6C50}" type="datetime1">
+            <a:fld id="{D986C60E-A773-4F31-927F-65099690FF77}" type="datetime1">
               <a:rPr lang="en-US" smtClean="0"/>
               <a:t>5/9/2021</a:t>
             </a:fld>
@@ -1009,6 +1013,10 @@
           <a:bodyPr/>
           <a:lstStyle/>
           <a:p>
+            <a:r>
+              <a:rPr lang="en-US"/>
+              <a:t>yg2418@nyu</a:t>
+            </a:r>
             <a:endParaRPr lang="en-US" dirty="0"/>
           </a:p>
         </p:txBody>
@@ -1222,7 +1230,7 @@
           <a:bodyPr/>
           <a:lstStyle/>
           <a:p>
-            <a:fld id="{6587DA83-5663-4C9C-B9AA-0B40A3DAFF81}" type="datetime1">
+            <a:fld id="{56DD8985-1285-420F-A370-8DA8E18FBD25}" type="datetime1">
               <a:rPr lang="en-US" smtClean="0"/>
               <a:t>5/9/2021</a:t>
             </a:fld>
@@ -1251,6 +1259,10 @@
           <a:bodyPr/>
           <a:lstStyle/>
           <a:p>
+            <a:r>
+              <a:rPr lang="en-US"/>
+              <a:t>yg2418@nyu</a:t>
+            </a:r>
             <a:endParaRPr lang="en-US" dirty="0"/>
           </a:p>
         </p:txBody>
@@ -1410,7 +1422,7 @@
           <a:bodyPr/>
           <a:lstStyle/>
           <a:p>
-            <a:fld id="{4BE1D723-8F53-4F53-90B0-1982A396982E}" type="datetime1">
+            <a:fld id="{1BF555A1-9456-4A26-844B-F6E4B4FFC5DB}" type="datetime1">
               <a:rPr lang="en-US" smtClean="0"/>
               <a:t>5/9/2021</a:t>
             </a:fld>
@@ -1439,6 +1451,10 @@
           <a:bodyPr/>
           <a:lstStyle/>
           <a:p>
+            <a:r>
+              <a:rPr lang="en-US"/>
+              <a:t>yg2418@nyu</a:t>
+            </a:r>
             <a:endParaRPr lang="en-US" dirty="0"/>
           </a:p>
         </p:txBody>
@@ -1783,7 +1799,7 @@
           <a:bodyPr/>
           <a:lstStyle/>
           <a:p>
-            <a:fld id="{97669AF7-7BEB-44E4-9852-375E34362B5B}" type="datetime1">
+            <a:fld id="{A957D9B8-1594-431D-8893-7B60D81B2ABC}" type="datetime1">
               <a:rPr lang="en-US" smtClean="0"/>
               <a:t>5/9/2021</a:t>
             </a:fld>
@@ -1812,6 +1828,10 @@
           <a:bodyPr/>
           <a:lstStyle/>
           <a:p>
+            <a:r>
+              <a:rPr lang="en-US"/>
+              <a:t>yg2418@nyu</a:t>
+            </a:r>
             <a:endParaRPr lang="en-US" dirty="0"/>
           </a:p>
         </p:txBody>
@@ -2038,7 +2058,7 @@
           <a:bodyPr/>
           <a:lstStyle/>
           <a:p>
-            <a:fld id="{BAAAC38D-0552-4C82-B593-E6124DFADBE2}" type="datetime1">
+            <a:fld id="{C6B75FD4-BD56-4ADB-B7A7-A80E45872FED}" type="datetime1">
               <a:rPr lang="en-US" smtClean="0"/>
               <a:t>5/9/2021</a:t>
             </a:fld>
@@ -2067,6 +2087,10 @@
           <a:bodyPr/>
           <a:lstStyle/>
           <a:p>
+            <a:r>
+              <a:rPr lang="en-US"/>
+              <a:t>yg2418@nyu</a:t>
+            </a:r>
             <a:endParaRPr lang="en-US" dirty="0"/>
           </a:p>
         </p:txBody>
@@ -2435,7 +2459,7 @@
           <a:bodyPr/>
           <a:lstStyle/>
           <a:p>
-            <a:fld id="{D9DF0F1C-5577-4ACB-BB62-DF8F3C494C7E}" type="datetime1">
+            <a:fld id="{D6C92CCD-250A-4AD1-B735-D2564D5E20E9}" type="datetime1">
               <a:rPr lang="en-US" smtClean="0"/>
               <a:t>5/9/2021</a:t>
             </a:fld>
@@ -2464,6 +2488,10 @@
           <a:bodyPr/>
           <a:lstStyle/>
           <a:p>
+            <a:r>
+              <a:rPr lang="en-US"/>
+              <a:t>yg2418@nyu</a:t>
+            </a:r>
             <a:endParaRPr lang="en-US" dirty="0"/>
           </a:p>
         </p:txBody>
@@ -2571,7 +2599,7 @@
           <a:bodyPr/>
           <a:lstStyle/>
           <a:p>
-            <a:fld id="{1775B394-D9F9-4F0C-B15D-605F45CB9E9F}" type="datetime1">
+            <a:fld id="{695D14E7-C47B-44F3-8BED-6BF9F78273BB}" type="datetime1">
               <a:rPr lang="en-US" smtClean="0"/>
               <a:t>5/9/2021</a:t>
             </a:fld>
@@ -2600,6 +2628,10 @@
           <a:bodyPr/>
           <a:lstStyle/>
           <a:p>
+            <a:r>
+              <a:rPr lang="en-US"/>
+              <a:t>yg2418@nyu</a:t>
+            </a:r>
             <a:endParaRPr lang="en-US" dirty="0"/>
           </a:p>
         </p:txBody>
@@ -2728,7 +2760,7 @@
           <a:bodyPr/>
           <a:lstStyle/>
           <a:p>
-            <a:fld id="{39667345-2558-425A-8533-9BFDBCE15005}" type="datetime1">
+            <a:fld id="{47806138-BCB7-4E3B-9B2B-B2DA9060D03F}" type="datetime1">
               <a:rPr lang="en-US" smtClean="0"/>
               <a:t>5/9/2021</a:t>
             </a:fld>
@@ -2757,6 +2789,10 @@
           <a:bodyPr/>
           <a:lstStyle/>
           <a:p>
+            <a:r>
+              <a:rPr lang="en-US"/>
+              <a:t>yg2418@nyu</a:t>
+            </a:r>
             <a:endParaRPr lang="en-US" dirty="0"/>
           </a:p>
         </p:txBody>
@@ -3057,7 +3093,7 @@
             </a:lvl1pPr>
           </a:lstStyle>
           <a:p>
-            <a:fld id="{92BEA474-078D-4E9B-9B14-09A87B19DC46}" type="datetime1">
+            <a:fld id="{A015DA5B-93B8-424F-B4B8-592F8C26825F}" type="datetime1">
               <a:rPr lang="en-US" smtClean="0"/>
               <a:t>5/9/2021</a:t>
             </a:fld>
@@ -3093,6 +3129,10 @@
             </a:lvl1pPr>
           </a:lstStyle>
           <a:p>
+            <a:r>
+              <a:rPr lang="en-US"/>
+              <a:t>yg2418@nyu</a:t>
+            </a:r>
             <a:endParaRPr lang="en-US" dirty="0"/>
           </a:p>
         </p:txBody>
@@ -3407,7 +3447,7 @@
             </a:lvl1pPr>
           </a:lstStyle>
           <a:p>
-            <a:fld id="{4907D986-8816-4272-A432-0437A28A9828}" type="datetime1">
+            <a:fld id="{D0801141-64E6-4961-AFC7-FE49381856CB}" type="datetime1">
               <a:rPr lang="en-US" smtClean="0"/>
               <a:t>5/9/2021</a:t>
             </a:fld>
@@ -3436,6 +3476,10 @@
           <a:lstStyle/>
           <a:p>
             <a:pPr algn="l"/>
+            <a:r>
+              <a:rPr lang="en-US"/>
+              <a:t>yg2418@nyu</a:t>
+            </a:r>
             <a:endParaRPr lang="en-US" dirty="0"/>
           </a:p>
         </p:txBody>
@@ -3668,7 +3712,7 @@
             </a:lvl1pPr>
           </a:lstStyle>
           <a:p>
-            <a:fld id="{62D6E202-B606-4609-B914-27C9371A1F6D}" type="datetime1">
+            <a:fld id="{7F856219-4DF2-4791-AA74-B0B2729FDAAA}" type="datetime1">
               <a:rPr lang="en-US" smtClean="0"/>
               <a:t>5/9/2021</a:t>
             </a:fld>
@@ -3707,6 +3751,10 @@
             </a:lvl1pPr>
           </a:lstStyle>
           <a:p>
+            <a:r>
+              <a:rPr lang="en-US"/>
+              <a:t>yg2418@nyu</a:t>
+            </a:r>
             <a:endParaRPr lang="en-US" dirty="0"/>
           </a:p>
         </p:txBody>
@@ -3815,7 +3863,7 @@
     <p:sldLayoutId id="2147483783" r:id="rId10"/>
     <p:sldLayoutId id="2147483782" r:id="rId11"/>
   </p:sldLayoutIdLst>
-  <p:hf sldNum="0" hdr="0" ftr="0" dt="0"/>
+  <p:hf sldNum="0" hdr="0" dt="0"/>
   <p:txStyles>
     <p:titleStyle>
       <a:lvl1pPr algn="l" defTabSz="914400" rtl="0" eaLnBrk="1" latinLnBrk="0" hangingPunct="1">
@@ -4414,7 +4462,27 @@
                 <a:latin typeface="Arial" panose="020B0604020202020204" pitchFamily="34" charset="0"/>
                 <a:cs typeface="Arial" panose="020B0604020202020204" pitchFamily="34" charset="0"/>
               </a:rPr>
-              <a:t>Yijie Guo</a:t>
+              <a:t>Yijie (</a:t>
+            </a:r>
+            <a:r>
+              <a:rPr lang="en-US" sz="1800" dirty="0" err="1">
+                <a:solidFill>
+                  <a:srgbClr val="FFFFFF"/>
+                </a:solidFill>
+                <a:latin typeface="Arial" panose="020B0604020202020204" pitchFamily="34" charset="0"/>
+                <a:cs typeface="Arial" panose="020B0604020202020204" pitchFamily="34" charset="0"/>
+              </a:rPr>
+              <a:t>Ejay</a:t>
+            </a:r>
+            <a:r>
+              <a:rPr lang="en-US" sz="1800" dirty="0">
+                <a:solidFill>
+                  <a:srgbClr val="FFFFFF"/>
+                </a:solidFill>
+                <a:latin typeface="Arial" panose="020B0604020202020204" pitchFamily="34" charset="0"/>
+                <a:cs typeface="Arial" panose="020B0604020202020204" pitchFamily="34" charset="0"/>
+              </a:rPr>
+              <a:t>) Guo</a:t>
             </a:r>
           </a:p>
           <a:p>
@@ -4584,7 +4652,7 @@
         </p:blipFill>
         <p:spPr>
           <a:xfrm>
-            <a:off x="3542555" y="59499"/>
+            <a:off x="3549131" y="2344223"/>
             <a:ext cx="5106889" cy="2132169"/>
           </a:xfrm>
           <a:prstGeom prst="rect">
@@ -4623,8 +4691,8 @@
         </p:blipFill>
         <p:spPr>
           <a:xfrm>
-            <a:off x="6859499" y="59499"/>
-            <a:ext cx="5285676" cy="2206814"/>
+            <a:off x="6866075" y="2344223"/>
+            <a:ext cx="5155956" cy="2152655"/>
           </a:xfrm>
           <a:prstGeom prst="rect">
             <a:avLst/>
@@ -4662,7 +4730,7 @@
         </p:blipFill>
         <p:spPr>
           <a:xfrm>
-            <a:off x="3525583" y="2295456"/>
+            <a:off x="3532159" y="98625"/>
             <a:ext cx="5123861" cy="2183363"/>
           </a:xfrm>
           <a:prstGeom prst="rect">
@@ -4701,8 +4769,8 @@
         </p:blipFill>
         <p:spPr>
           <a:xfrm>
-            <a:off x="6859499" y="2323572"/>
-            <a:ext cx="5227356" cy="2227465"/>
+            <a:off x="6843138" y="94273"/>
+            <a:ext cx="5106889" cy="2176132"/>
           </a:xfrm>
           <a:prstGeom prst="rect">
             <a:avLst/>
@@ -4712,6 +4780,50 @@
           </a:solidFill>
         </p:spPr>
       </p:pic>
+      <p:sp>
+        <p:nvSpPr>
+          <p:cNvPr id="15" name="Footer Placeholder 1">
+            <a:extLst>
+              <a:ext uri="{FF2B5EF4-FFF2-40B4-BE49-F238E27FC236}">
+                <a16:creationId xmlns:a16="http://schemas.microsoft.com/office/drawing/2014/main" id="{99155995-9335-47C2-B669-654305E1414B}"/>
+              </a:ext>
+            </a:extLst>
+          </p:cNvPr>
+          <p:cNvSpPr>
+            <a:spLocks noGrp="1"/>
+          </p:cNvSpPr>
+          <p:nvPr>
+            <p:ph type="ftr" sz="quarter" idx="11"/>
+          </p:nvPr>
+        </p:nvSpPr>
+        <p:spPr>
+          <a:xfrm>
+            <a:off x="5287540" y="6442733"/>
+            <a:ext cx="6818262" cy="365125"/>
+          </a:xfrm>
+        </p:spPr>
+        <p:txBody>
+          <a:bodyPr/>
+          <a:lstStyle/>
+          <a:p>
+            <a:pPr algn="r"/>
+            <a:r>
+              <a:rPr lang="en-US" sz="1400" dirty="0" err="1">
+                <a:latin typeface="Arial" panose="020B0604020202020204" pitchFamily="34" charset="0"/>
+                <a:cs typeface="Arial" panose="020B0604020202020204" pitchFamily="34" charset="0"/>
+              </a:rPr>
+              <a:t>Ejay</a:t>
+            </a:r>
+            <a:r>
+              <a:rPr lang="en-US" sz="1400" dirty="0">
+                <a:latin typeface="Arial" panose="020B0604020202020204" pitchFamily="34" charset="0"/>
+                <a:cs typeface="Arial" panose="020B0604020202020204" pitchFamily="34" charset="0"/>
+              </a:rPr>
+              <a:t>:  yg2418@nyu  YU:  </a:t>
+            </a:r>
+          </a:p>
+        </p:txBody>
+      </p:sp>
     </p:spTree>
     <p:extLst>
       <p:ext uri="{BB962C8B-B14F-4D97-AF65-F5344CB8AC3E}">
@@ -5207,6 +5319,50 @@
           </a:prstGeom>
         </p:spPr>
       </p:pic>
+      <p:sp>
+        <p:nvSpPr>
+          <p:cNvPr id="2" name="Footer Placeholder 1">
+            <a:extLst>
+              <a:ext uri="{FF2B5EF4-FFF2-40B4-BE49-F238E27FC236}">
+                <a16:creationId xmlns:a16="http://schemas.microsoft.com/office/drawing/2014/main" id="{4D64621B-0DEF-4158-B02A-BBC94DF98042}"/>
+              </a:ext>
+            </a:extLst>
+          </p:cNvPr>
+          <p:cNvSpPr>
+            <a:spLocks noGrp="1"/>
+          </p:cNvSpPr>
+          <p:nvPr>
+            <p:ph type="ftr" sz="quarter" idx="11"/>
+          </p:nvPr>
+        </p:nvSpPr>
+        <p:spPr>
+          <a:xfrm>
+            <a:off x="5287540" y="6442733"/>
+            <a:ext cx="6818262" cy="365125"/>
+          </a:xfrm>
+        </p:spPr>
+        <p:txBody>
+          <a:bodyPr/>
+          <a:lstStyle/>
+          <a:p>
+            <a:pPr algn="r"/>
+            <a:r>
+              <a:rPr lang="en-US" sz="1400" dirty="0" err="1">
+                <a:latin typeface="Arial" panose="020B0604020202020204" pitchFamily="34" charset="0"/>
+                <a:cs typeface="Arial" panose="020B0604020202020204" pitchFamily="34" charset="0"/>
+              </a:rPr>
+              <a:t>Ejay</a:t>
+            </a:r>
+            <a:r>
+              <a:rPr lang="en-US" sz="1400" dirty="0">
+                <a:latin typeface="Arial" panose="020B0604020202020204" pitchFamily="34" charset="0"/>
+                <a:cs typeface="Arial" panose="020B0604020202020204" pitchFamily="34" charset="0"/>
+              </a:rPr>
+              <a:t>: yg2418@nyu</a:t>
+            </a:r>
+          </a:p>
+        </p:txBody>
+      </p:sp>
     </p:spTree>
     <p:extLst>
       <p:ext uri="{BB962C8B-B14F-4D97-AF65-F5344CB8AC3E}">
@@ -5321,12 +5477,17 @@
         </p:nvSpPr>
         <p:spPr>
           <a:xfrm>
-            <a:off x="597866" y="544286"/>
-            <a:ext cx="5498133" cy="4888848"/>
+            <a:off x="413036" y="3077486"/>
+            <a:ext cx="5682961" cy="3145109"/>
           </a:xfrm>
           <a:prstGeom prst="rect">
             <a:avLst/>
           </a:prstGeom>
+          <a:ln>
+            <a:solidFill>
+              <a:schemeClr val="tx1"/>
+            </a:solidFill>
+          </a:ln>
         </p:spPr>
         <p:txBody>
           <a:bodyPr vert="horz" lIns="91440" tIns="45720" rIns="91440" bIns="45720" rtlCol="0" anchor="t">
@@ -5581,7 +5742,7 @@
               <a:buNone/>
             </a:pPr>
             <a:r>
-              <a:rPr lang="en-US" sz="2800" spc="-50" dirty="0">
+              <a:rPr lang="en-US" b="1" spc="-50" dirty="0">
                 <a:latin typeface="Arial Nova" panose="020B0504020202020204" pitchFamily="34" charset="0"/>
                 <a:ea typeface="+mj-ea"/>
                 <a:cs typeface="+mj-cs"/>
@@ -5674,8 +5835,8 @@
         </p:blipFill>
         <p:spPr>
           <a:xfrm>
-            <a:off x="520714" y="1101536"/>
-            <a:ext cx="5575285" cy="2740877"/>
+            <a:off x="481110" y="3429000"/>
+            <a:ext cx="5546812" cy="2726879"/>
           </a:xfrm>
           <a:prstGeom prst="rect">
             <a:avLst/>
@@ -5698,12 +5859,17 @@
         </p:nvSpPr>
         <p:spPr>
           <a:xfrm>
-            <a:off x="6134574" y="2988710"/>
-            <a:ext cx="5498133" cy="2234425"/>
+            <a:off x="6280830" y="3077486"/>
+            <a:ext cx="5498133" cy="3145109"/>
           </a:xfrm>
           <a:prstGeom prst="rect">
             <a:avLst/>
           </a:prstGeom>
+          <a:ln>
+            <a:solidFill>
+              <a:schemeClr val="tx1"/>
+            </a:solidFill>
+          </a:ln>
         </p:spPr>
         <p:txBody>
           <a:bodyPr vert="horz" lIns="91440" tIns="45720" rIns="91440" bIns="45720" rtlCol="0" anchor="t">
@@ -5958,7 +6124,7 @@
               <a:buNone/>
             </a:pPr>
             <a:r>
-              <a:rPr lang="en-US" spc="-50" dirty="0">
+              <a:rPr lang="en-US" b="1" spc="-50" dirty="0">
                 <a:latin typeface="Arial Nova" panose="020B0504020202020204" pitchFamily="34" charset="0"/>
                 <a:ea typeface="+mj-ea"/>
                 <a:cs typeface="+mj-cs"/>
@@ -5982,8 +6148,21 @@
                 <a:ea typeface="+mj-ea"/>
                 <a:cs typeface="+mj-cs"/>
               </a:rPr>
-              <a:t> Inputs, outputs and weights are all binary values. By binary here, we mean Bipolar Binary, i.e. +1 &amp; -1 values.</a:t>
-            </a:r>
+              <a:t> </a:t>
+            </a:r>
+            <a:r>
+              <a:rPr lang="en-US" sz="2000" spc="-50" dirty="0">
+                <a:latin typeface="Arial Nova" panose="020B0504020202020204" pitchFamily="34" charset="0"/>
+                <a:ea typeface="+mj-ea"/>
+                <a:cs typeface="+mj-cs"/>
+              </a:rPr>
+              <a:t>Inputs, outputs and weights are all binary values. By binary here, we mean Bipolar Binary, i.e. +1 &amp; -1 values.</a:t>
+            </a:r>
+            <a:endParaRPr lang="en-US" spc="-50" dirty="0">
+              <a:latin typeface="Arial Nova" panose="020B0504020202020204" pitchFamily="34" charset="0"/>
+              <a:ea typeface="+mj-ea"/>
+              <a:cs typeface="+mj-cs"/>
+            </a:endParaRPr>
           </a:p>
         </p:txBody>
       </p:sp>
@@ -6003,12 +6182,17 @@
         </p:nvSpPr>
         <p:spPr>
           <a:xfrm>
-            <a:off x="6095999" y="544286"/>
-            <a:ext cx="5498133" cy="2567338"/>
+            <a:off x="6280831" y="283168"/>
+            <a:ext cx="5498133" cy="2616112"/>
           </a:xfrm>
           <a:prstGeom prst="rect">
             <a:avLst/>
           </a:prstGeom>
+          <a:ln>
+            <a:solidFill>
+              <a:schemeClr val="tx1"/>
+            </a:solidFill>
+          </a:ln>
         </p:spPr>
         <p:txBody>
           <a:bodyPr vert="horz" lIns="91440" tIns="45720" rIns="91440" bIns="45720" rtlCol="0" anchor="t">
@@ -6263,7 +6447,7 @@
               <a:buNone/>
             </a:pPr>
             <a:r>
-              <a:rPr lang="en-US" spc="-50" dirty="0">
+              <a:rPr lang="en-US" b="1" spc="-50" dirty="0">
                 <a:latin typeface="Arial" panose="020B0604020202020204" pitchFamily="34" charset="0"/>
                 <a:ea typeface="+mj-ea"/>
                 <a:cs typeface="Arial" panose="020B0604020202020204" pitchFamily="34" charset="0"/>
@@ -6282,12 +6466,12 @@
               <a:buNone/>
             </a:pPr>
             <a:r>
-              <a:rPr lang="en-US" spc="-50" dirty="0">
+              <a:rPr lang="en-US" sz="2000" spc="-50" dirty="0">
                 <a:latin typeface="Arial" panose="020B0604020202020204" pitchFamily="34" charset="0"/>
                 <a:ea typeface="+mj-ea"/>
                 <a:cs typeface="Arial" panose="020B0604020202020204" pitchFamily="34" charset="0"/>
               </a:rPr>
-              <a:t> [1] Compressing the floating point input/output values in DNN to a fixed point representation, like 8-bit or 16-bit integers.</a:t>
+              <a:t> [1] More Model Choices</a:t>
             </a:r>
           </a:p>
           <a:p>
@@ -6300,13 +6484,64 @@
               </a:spcBef>
               <a:buNone/>
             </a:pPr>
-            <a:r>
-              <a:rPr lang="en-US" spc="-50" dirty="0">
+            <a:endParaRPr lang="en-US" sz="2000" spc="-50" dirty="0">
+              <a:latin typeface="Arial" panose="020B0604020202020204" pitchFamily="34" charset="0"/>
+              <a:ea typeface="+mj-ea"/>
+              <a:cs typeface="Arial" panose="020B0604020202020204" pitchFamily="34" charset="0"/>
+            </a:endParaRPr>
+          </a:p>
+          <a:p>
+            <a:pPr algn="just">
+              <a:lnSpc>
+                <a:spcPct val="90000"/>
+              </a:lnSpc>
+              <a:spcBef>
+                <a:spcPct val="0"/>
+              </a:spcBef>
+              <a:buNone/>
+            </a:pPr>
+            <a:r>
+              <a:rPr lang="en-US" sz="2000" spc="-50" dirty="0">
                 <a:latin typeface="Arial" panose="020B0604020202020204" pitchFamily="34" charset="0"/>
                 <a:ea typeface="+mj-ea"/>
                 <a:cs typeface="Arial" panose="020B0604020202020204" pitchFamily="34" charset="0"/>
               </a:rPr>
               <a:t> [2] Memory and Computation Reduction</a:t>
+            </a:r>
+          </a:p>
+          <a:p>
+            <a:pPr algn="just">
+              <a:lnSpc>
+                <a:spcPct val="90000"/>
+              </a:lnSpc>
+              <a:spcBef>
+                <a:spcPct val="0"/>
+              </a:spcBef>
+              <a:buNone/>
+            </a:pPr>
+            <a:endParaRPr lang="en-US" sz="2000" spc="-50" dirty="0">
+              <a:latin typeface="Arial" panose="020B0604020202020204" pitchFamily="34" charset="0"/>
+              <a:ea typeface="+mj-ea"/>
+              <a:cs typeface="Arial" panose="020B0604020202020204" pitchFamily="34" charset="0"/>
+            </a:endParaRPr>
+          </a:p>
+          <a:p>
+            <a:pPr algn="just">
+              <a:lnSpc>
+                <a:spcPct val="90000"/>
+              </a:lnSpc>
+              <a:spcBef>
+                <a:spcPct val="0"/>
+              </a:spcBef>
+              <a:buNone/>
+            </a:pPr>
+            <a:r>
+              <a:rPr lang="en-US" sz="2000" spc="-50" dirty="0">
+                <a:latin typeface="Arial" panose="020B0604020202020204" pitchFamily="34" charset="0"/>
+                <a:ea typeface="+mj-ea"/>
+                <a:cs typeface="Arial" panose="020B0604020202020204" pitchFamily="34" charset="0"/>
+              </a:rPr>
+              <a:t> [3] Compressing the floating point input/output values in DNN to a fixed point representation, like 8-bit or 16-bit integers.</a:t>
             </a:r>
           </a:p>
         </p:txBody>
@@ -6333,7 +6568,7 @@
         </p:blipFill>
         <p:spPr>
           <a:xfrm>
-            <a:off x="6324206" y="4573202"/>
+            <a:off x="6470462" y="4518258"/>
             <a:ext cx="2819794" cy="666843"/>
           </a:xfrm>
           <a:prstGeom prst="rect">
@@ -6363,7 +6598,7 @@
         </p:blipFill>
         <p:spPr>
           <a:xfrm>
-            <a:off x="6324206" y="5410788"/>
+            <a:off x="6470462" y="5419579"/>
             <a:ext cx="4486901" cy="666843"/>
           </a:xfrm>
           <a:prstGeom prst="rect">
@@ -6371,6 +6606,359 @@
           </a:prstGeom>
         </p:spPr>
       </p:pic>
+      <p:sp>
+        <p:nvSpPr>
+          <p:cNvPr id="10" name="Content Placeholder 2">
+            <a:extLst>
+              <a:ext uri="{FF2B5EF4-FFF2-40B4-BE49-F238E27FC236}">
+                <a16:creationId xmlns:a16="http://schemas.microsoft.com/office/drawing/2014/main" id="{A0F20A10-3844-4FBD-AA90-B508EFC3A53B}"/>
+              </a:ext>
+            </a:extLst>
+          </p:cNvPr>
+          <p:cNvSpPr txBox="1">
+            <a:spLocks/>
+          </p:cNvSpPr>
+          <p:nvPr/>
+        </p:nvSpPr>
+        <p:spPr>
+          <a:xfrm>
+            <a:off x="413036" y="283168"/>
+            <a:ext cx="5682961" cy="2616113"/>
+          </a:xfrm>
+          <a:prstGeom prst="rect">
+            <a:avLst/>
+          </a:prstGeom>
+          <a:ln>
+            <a:solidFill>
+              <a:schemeClr val="tx1"/>
+            </a:solidFill>
+          </a:ln>
+        </p:spPr>
+        <p:txBody>
+          <a:bodyPr vert="horz" lIns="91440" tIns="45720" rIns="91440" bIns="45720" rtlCol="0" anchor="t">
+            <a:normAutofit/>
+          </a:bodyPr>
+          <a:lstStyle>
+            <a:lvl1pPr marL="91440" indent="-91440" algn="l" defTabSz="914400" rtl="0" eaLnBrk="1" latinLnBrk="0" hangingPunct="1">
+              <a:lnSpc>
+                <a:spcPct val="100000"/>
+              </a:lnSpc>
+              <a:spcBef>
+                <a:spcPts val="1200"/>
+              </a:spcBef>
+              <a:spcAft>
+                <a:spcPts val="200"/>
+              </a:spcAft>
+              <a:buClr>
+                <a:schemeClr val="accent1"/>
+              </a:buClr>
+              <a:buSzPct val="100000"/>
+              <a:buFont typeface="Calibri" panose="020F0502020204030204" pitchFamily="34" charset="0"/>
+              <a:buChar char=" "/>
+              <a:defRPr sz="2400" kern="1200">
+                <a:solidFill>
+                  <a:schemeClr val="tx1">
+                    <a:lumMod val="75000"/>
+                    <a:lumOff val="25000"/>
+                  </a:schemeClr>
+                </a:solidFill>
+                <a:latin typeface="+mn-lt"/>
+                <a:ea typeface="+mn-ea"/>
+                <a:cs typeface="+mn-cs"/>
+              </a:defRPr>
+            </a:lvl1pPr>
+            <a:lvl2pPr marL="384048" indent="-182880" algn="l" defTabSz="914400" rtl="0" eaLnBrk="1" latinLnBrk="0" hangingPunct="1">
+              <a:lnSpc>
+                <a:spcPct val="100000"/>
+              </a:lnSpc>
+              <a:spcBef>
+                <a:spcPts val="200"/>
+              </a:spcBef>
+              <a:spcAft>
+                <a:spcPts val="400"/>
+              </a:spcAft>
+              <a:buClrTx/>
+              <a:buFont typeface="Calibri" pitchFamily="34" charset="0"/>
+              <a:buChar char="◦"/>
+              <a:defRPr sz="2000" kern="1200">
+                <a:solidFill>
+                  <a:schemeClr val="tx1">
+                    <a:lumMod val="75000"/>
+                    <a:lumOff val="25000"/>
+                  </a:schemeClr>
+                </a:solidFill>
+                <a:latin typeface="+mn-lt"/>
+                <a:ea typeface="+mn-ea"/>
+                <a:cs typeface="+mn-cs"/>
+              </a:defRPr>
+            </a:lvl2pPr>
+            <a:lvl3pPr marL="566928" indent="-182880" algn="l" defTabSz="914400" rtl="0" eaLnBrk="1" latinLnBrk="0" hangingPunct="1">
+              <a:lnSpc>
+                <a:spcPct val="100000"/>
+              </a:lnSpc>
+              <a:spcBef>
+                <a:spcPts val="200"/>
+              </a:spcBef>
+              <a:spcAft>
+                <a:spcPts val="400"/>
+              </a:spcAft>
+              <a:buClrTx/>
+              <a:buFont typeface="Calibri" pitchFamily="34" charset="0"/>
+              <a:buChar char="◦"/>
+              <a:defRPr sz="1600" kern="1200">
+                <a:solidFill>
+                  <a:schemeClr val="tx1">
+                    <a:lumMod val="75000"/>
+                    <a:lumOff val="25000"/>
+                  </a:schemeClr>
+                </a:solidFill>
+                <a:latin typeface="+mn-lt"/>
+                <a:ea typeface="+mn-ea"/>
+                <a:cs typeface="+mn-cs"/>
+              </a:defRPr>
+            </a:lvl3pPr>
+            <a:lvl4pPr marL="749808" indent="-182880" algn="l" defTabSz="914400" rtl="0" eaLnBrk="1" latinLnBrk="0" hangingPunct="1">
+              <a:lnSpc>
+                <a:spcPct val="100000"/>
+              </a:lnSpc>
+              <a:spcBef>
+                <a:spcPts val="200"/>
+              </a:spcBef>
+              <a:spcAft>
+                <a:spcPts val="400"/>
+              </a:spcAft>
+              <a:buClrTx/>
+              <a:buFont typeface="Calibri" pitchFamily="34" charset="0"/>
+              <a:buChar char="◦"/>
+              <a:defRPr sz="1600" kern="1200">
+                <a:solidFill>
+                  <a:schemeClr val="tx1">
+                    <a:lumMod val="75000"/>
+                    <a:lumOff val="25000"/>
+                  </a:schemeClr>
+                </a:solidFill>
+                <a:latin typeface="+mn-lt"/>
+                <a:ea typeface="+mn-ea"/>
+                <a:cs typeface="+mn-cs"/>
+              </a:defRPr>
+            </a:lvl4pPr>
+            <a:lvl5pPr marL="932688" indent="-182880" algn="l" defTabSz="914400" rtl="0" eaLnBrk="1" latinLnBrk="0" hangingPunct="1">
+              <a:lnSpc>
+                <a:spcPct val="100000"/>
+              </a:lnSpc>
+              <a:spcBef>
+                <a:spcPts val="200"/>
+              </a:spcBef>
+              <a:spcAft>
+                <a:spcPts val="400"/>
+              </a:spcAft>
+              <a:buClrTx/>
+              <a:buFont typeface="Calibri" pitchFamily="34" charset="0"/>
+              <a:buChar char="◦"/>
+              <a:defRPr sz="1600" kern="1200">
+                <a:solidFill>
+                  <a:schemeClr val="tx1">
+                    <a:lumMod val="75000"/>
+                    <a:lumOff val="25000"/>
+                  </a:schemeClr>
+                </a:solidFill>
+                <a:latin typeface="+mn-lt"/>
+                <a:ea typeface="+mn-ea"/>
+                <a:cs typeface="+mn-cs"/>
+              </a:defRPr>
+            </a:lvl5pPr>
+            <a:lvl6pPr marL="1100000" indent="-228600" algn="l" defTabSz="914400" rtl="0" eaLnBrk="1" latinLnBrk="0" hangingPunct="1">
+              <a:lnSpc>
+                <a:spcPct val="90000"/>
+              </a:lnSpc>
+              <a:spcBef>
+                <a:spcPts val="200"/>
+              </a:spcBef>
+              <a:spcAft>
+                <a:spcPts val="400"/>
+              </a:spcAft>
+              <a:buClr>
+                <a:schemeClr val="accent1"/>
+              </a:buClr>
+              <a:buFont typeface="Calibri" pitchFamily="34" charset="0"/>
+              <a:buChar char="◦"/>
+              <a:defRPr sz="1400" kern="1200">
+                <a:solidFill>
+                  <a:schemeClr val="tx1">
+                    <a:lumMod val="75000"/>
+                    <a:lumOff val="25000"/>
+                  </a:schemeClr>
+                </a:solidFill>
+                <a:latin typeface="+mn-lt"/>
+                <a:ea typeface="+mn-ea"/>
+                <a:cs typeface="+mn-cs"/>
+              </a:defRPr>
+            </a:lvl6pPr>
+            <a:lvl7pPr marL="1300000" indent="-228600" algn="l" defTabSz="914400" rtl="0" eaLnBrk="1" latinLnBrk="0" hangingPunct="1">
+              <a:lnSpc>
+                <a:spcPct val="90000"/>
+              </a:lnSpc>
+              <a:spcBef>
+                <a:spcPts val="200"/>
+              </a:spcBef>
+              <a:spcAft>
+                <a:spcPts val="400"/>
+              </a:spcAft>
+              <a:buClr>
+                <a:schemeClr val="accent1"/>
+              </a:buClr>
+              <a:buFont typeface="Calibri" pitchFamily="34" charset="0"/>
+              <a:buChar char="◦"/>
+              <a:defRPr sz="1400" kern="1200">
+                <a:solidFill>
+                  <a:schemeClr val="tx1">
+                    <a:lumMod val="75000"/>
+                    <a:lumOff val="25000"/>
+                  </a:schemeClr>
+                </a:solidFill>
+                <a:latin typeface="+mn-lt"/>
+                <a:ea typeface="+mn-ea"/>
+                <a:cs typeface="+mn-cs"/>
+              </a:defRPr>
+            </a:lvl7pPr>
+            <a:lvl8pPr marL="1500000" indent="-228600" algn="l" defTabSz="914400" rtl="0" eaLnBrk="1" latinLnBrk="0" hangingPunct="1">
+              <a:lnSpc>
+                <a:spcPct val="90000"/>
+              </a:lnSpc>
+              <a:spcBef>
+                <a:spcPts val="200"/>
+              </a:spcBef>
+              <a:spcAft>
+                <a:spcPts val="400"/>
+              </a:spcAft>
+              <a:buClr>
+                <a:schemeClr val="accent1"/>
+              </a:buClr>
+              <a:buFont typeface="Calibri" pitchFamily="34" charset="0"/>
+              <a:buChar char="◦"/>
+              <a:defRPr sz="1400" kern="1200">
+                <a:solidFill>
+                  <a:schemeClr val="tx1">
+                    <a:lumMod val="75000"/>
+                    <a:lumOff val="25000"/>
+                  </a:schemeClr>
+                </a:solidFill>
+                <a:latin typeface="+mn-lt"/>
+                <a:ea typeface="+mn-ea"/>
+                <a:cs typeface="+mn-cs"/>
+              </a:defRPr>
+            </a:lvl8pPr>
+            <a:lvl9pPr marL="1700000" indent="-228600" algn="l" defTabSz="914400" rtl="0" eaLnBrk="1" latinLnBrk="0" hangingPunct="1">
+              <a:lnSpc>
+                <a:spcPct val="90000"/>
+              </a:lnSpc>
+              <a:spcBef>
+                <a:spcPts val="200"/>
+              </a:spcBef>
+              <a:spcAft>
+                <a:spcPts val="400"/>
+              </a:spcAft>
+              <a:buClr>
+                <a:schemeClr val="accent1"/>
+              </a:buClr>
+              <a:buFont typeface="Calibri" pitchFamily="34" charset="0"/>
+              <a:buChar char="◦"/>
+              <a:defRPr sz="1400" kern="1200">
+                <a:solidFill>
+                  <a:schemeClr val="tx1">
+                    <a:lumMod val="75000"/>
+                    <a:lumOff val="25000"/>
+                  </a:schemeClr>
+                </a:solidFill>
+                <a:latin typeface="+mn-lt"/>
+                <a:ea typeface="+mn-ea"/>
+                <a:cs typeface="+mn-cs"/>
+              </a:defRPr>
+            </a:lvl9pPr>
+          </a:lstStyle>
+          <a:p>
+            <a:pPr algn="ctr">
+              <a:lnSpc>
+                <a:spcPct val="90000"/>
+              </a:lnSpc>
+              <a:spcBef>
+                <a:spcPct val="0"/>
+              </a:spcBef>
+              <a:buNone/>
+            </a:pPr>
+            <a:r>
+              <a:rPr lang="en-US" b="1" spc="-50" dirty="0">
+                <a:latin typeface="Arial" panose="020B0604020202020204" pitchFamily="34" charset="0"/>
+                <a:ea typeface="+mj-ea"/>
+                <a:cs typeface="Arial" panose="020B0604020202020204" pitchFamily="34" charset="0"/>
+              </a:rPr>
+              <a:t>Noise Reduction</a:t>
+            </a:r>
+          </a:p>
+          <a:p>
+            <a:pPr algn="just">
+              <a:lnSpc>
+                <a:spcPct val="90000"/>
+              </a:lnSpc>
+              <a:spcBef>
+                <a:spcPct val="0"/>
+              </a:spcBef>
+              <a:buNone/>
+            </a:pPr>
+            <a:r>
+              <a:rPr lang="en-US" spc="-50" dirty="0">
+                <a:latin typeface="Arial" panose="020B0604020202020204" pitchFamily="34" charset="0"/>
+                <a:ea typeface="+mj-ea"/>
+                <a:cs typeface="Arial" panose="020B0604020202020204" pitchFamily="34" charset="0"/>
+              </a:rPr>
+              <a:t> </a:t>
+            </a:r>
+            <a:r>
+              <a:rPr lang="en-US" sz="2000" spc="-50" dirty="0">
+                <a:latin typeface="Arial" panose="020B0604020202020204" pitchFamily="34" charset="0"/>
+                <a:ea typeface="+mj-ea"/>
+                <a:cs typeface="Arial" panose="020B0604020202020204" pitchFamily="34" charset="0"/>
+              </a:rPr>
+              <a:t>[1] Linear Models are more sensitive towards out layers, noises and fluctuates in the data. The discretization and binarization improve signal-to-noise ratio and smooth out the noises.</a:t>
+            </a:r>
+          </a:p>
+          <a:p>
+            <a:pPr algn="just">
+              <a:lnSpc>
+                <a:spcPct val="90000"/>
+              </a:lnSpc>
+              <a:spcBef>
+                <a:spcPct val="0"/>
+              </a:spcBef>
+              <a:buNone/>
+            </a:pPr>
+            <a:endParaRPr lang="en-US" sz="2000" spc="-50" dirty="0">
+              <a:latin typeface="Arial" panose="020B0604020202020204" pitchFamily="34" charset="0"/>
+              <a:ea typeface="+mj-ea"/>
+              <a:cs typeface="Arial" panose="020B0604020202020204" pitchFamily="34" charset="0"/>
+            </a:endParaRPr>
+          </a:p>
+          <a:p>
+            <a:pPr algn="just">
+              <a:lnSpc>
+                <a:spcPct val="90000"/>
+              </a:lnSpc>
+              <a:spcBef>
+                <a:spcPct val="0"/>
+              </a:spcBef>
+              <a:buNone/>
+            </a:pPr>
+            <a:r>
+              <a:rPr lang="en-US" sz="2000" spc="-50" dirty="0">
+                <a:latin typeface="Arial" panose="020B0604020202020204" pitchFamily="34" charset="0"/>
+                <a:ea typeface="+mj-ea"/>
+                <a:cs typeface="Arial" panose="020B0604020202020204" pitchFamily="34" charset="0"/>
+              </a:rPr>
+              <a:t> [2] Non-linear models are not so sensitive towards the noises and very likely to be more overfitting.</a:t>
+            </a:r>
+          </a:p>
+        </p:txBody>
+      </p:sp>
     </p:spTree>
     <p:extLst>
       <p:ext uri="{BB962C8B-B14F-4D97-AF65-F5344CB8AC3E}">

--- a/Documents/YijieGuo_YuChen_Presentation.pptx
+++ b/Documents/YijieGuo_YuChen_Presentation.pptx
@@ -4819,7 +4819,7 @@
                 <a:latin typeface="Arial" panose="020B0604020202020204" pitchFamily="34" charset="0"/>
                 <a:cs typeface="Arial" panose="020B0604020202020204" pitchFamily="34" charset="0"/>
               </a:rPr>
-              <a:t>:  yg2418@nyu  YU:  </a:t>
+              <a:t>:  yg2418@nyu.edu  YU:yc4902@nyu.edu  </a:t>
             </a:r>
           </a:p>
         </p:txBody>
@@ -5321,10 +5321,10 @@
       </p:pic>
       <p:sp>
         <p:nvSpPr>
-          <p:cNvPr id="2" name="Footer Placeholder 1">
+          <p:cNvPr id="16" name="Footer Placeholder 1">
             <a:extLst>
               <a:ext uri="{FF2B5EF4-FFF2-40B4-BE49-F238E27FC236}">
-                <a16:creationId xmlns:a16="http://schemas.microsoft.com/office/drawing/2014/main" id="{4D64621B-0DEF-4158-B02A-BBC94DF98042}"/>
+                <a16:creationId xmlns:a16="http://schemas.microsoft.com/office/drawing/2014/main" id="{B00041B6-A57E-49E3-B488-E4373540BEEA}"/>
               </a:ext>
             </a:extLst>
           </p:cNvPr>
@@ -5358,7 +5358,7 @@
                 <a:latin typeface="Arial" panose="020B0604020202020204" pitchFamily="34" charset="0"/>
                 <a:cs typeface="Arial" panose="020B0604020202020204" pitchFamily="34" charset="0"/>
               </a:rPr>
-              <a:t>: yg2418@nyu</a:t>
+              <a:t>:  yg2418@nyu.edu  YU:yc4902@nyu.edu  </a:t>
             </a:r>
           </a:p>
         </p:txBody>
@@ -6955,6 +6955,50 @@
                 <a:cs typeface="Arial" panose="020B0604020202020204" pitchFamily="34" charset="0"/>
               </a:rPr>
               <a:t> [2] Non-linear models are not so sensitive towards the noises and very likely to be more overfitting.</a:t>
+            </a:r>
+          </a:p>
+        </p:txBody>
+      </p:sp>
+      <p:sp>
+        <p:nvSpPr>
+          <p:cNvPr id="11" name="Footer Placeholder 1">
+            <a:extLst>
+              <a:ext uri="{FF2B5EF4-FFF2-40B4-BE49-F238E27FC236}">
+                <a16:creationId xmlns:a16="http://schemas.microsoft.com/office/drawing/2014/main" id="{D7BB1240-C7CC-44F0-A772-D9005EDD799C}"/>
+              </a:ext>
+            </a:extLst>
+          </p:cNvPr>
+          <p:cNvSpPr>
+            <a:spLocks noGrp="1"/>
+          </p:cNvSpPr>
+          <p:nvPr>
+            <p:ph type="ftr" sz="quarter" idx="11"/>
+          </p:nvPr>
+        </p:nvSpPr>
+        <p:spPr>
+          <a:xfrm>
+            <a:off x="5287540" y="6442733"/>
+            <a:ext cx="6818262" cy="365125"/>
+          </a:xfrm>
+        </p:spPr>
+        <p:txBody>
+          <a:bodyPr/>
+          <a:lstStyle/>
+          <a:p>
+            <a:pPr algn="r"/>
+            <a:r>
+              <a:rPr lang="en-US" sz="1400" dirty="0" err="1">
+                <a:latin typeface="Arial" panose="020B0604020202020204" pitchFamily="34" charset="0"/>
+                <a:cs typeface="Arial" panose="020B0604020202020204" pitchFamily="34" charset="0"/>
+              </a:rPr>
+              <a:t>Ejay</a:t>
+            </a:r>
+            <a:r>
+              <a:rPr lang="en-US" sz="1400" dirty="0">
+                <a:latin typeface="Arial" panose="020B0604020202020204" pitchFamily="34" charset="0"/>
+                <a:cs typeface="Arial" panose="020B0604020202020204" pitchFamily="34" charset="0"/>
+              </a:rPr>
+              <a:t>:  yg2418@nyu.edu  YU:yc4902@nyu.edu  </a:t>
             </a:r>
           </a:p>
         </p:txBody>

--- a/Documents/YijieGuo_YuChen_Presentation.pptx
+++ b/Documents/YijieGuo_YuChen_Presentation.pptx
@@ -4580,7 +4580,7 @@
         </p:blipFill>
         <p:spPr>
           <a:xfrm>
-            <a:off x="117685" y="199086"/>
+            <a:off x="75252" y="297933"/>
             <a:ext cx="3473879" cy="1823532"/>
           </a:xfrm>
           <a:prstGeom prst="rect">
@@ -4616,7 +4616,7 @@
         </p:blipFill>
         <p:spPr>
           <a:xfrm>
-            <a:off x="192414" y="2435304"/>
+            <a:off x="178537" y="2345314"/>
             <a:ext cx="3324422" cy="1621669"/>
           </a:xfrm>
           <a:prstGeom prst="rect">
@@ -4820,6 +4820,297 @@
                 <a:cs typeface="Arial" panose="020B0604020202020204" pitchFamily="34" charset="0"/>
               </a:rPr>
               <a:t>:  yg2418@nyu.edu  YU:yc4902@nyu.edu  </a:t>
+            </a:r>
+          </a:p>
+        </p:txBody>
+      </p:sp>
+      <p:sp>
+        <p:nvSpPr>
+          <p:cNvPr id="16" name="Content Placeholder 2">
+            <a:extLst>
+              <a:ext uri="{FF2B5EF4-FFF2-40B4-BE49-F238E27FC236}">
+                <a16:creationId xmlns:a16="http://schemas.microsoft.com/office/drawing/2014/main" id="{461F0138-51EC-4591-A531-A3F4D588F077}"/>
+              </a:ext>
+            </a:extLst>
+          </p:cNvPr>
+          <p:cNvSpPr txBox="1">
+            <a:spLocks/>
+          </p:cNvSpPr>
+          <p:nvPr/>
+        </p:nvSpPr>
+        <p:spPr>
+          <a:xfrm>
+            <a:off x="150473" y="3898745"/>
+            <a:ext cx="3324423" cy="503347"/>
+          </a:xfrm>
+          <a:prstGeom prst="rect">
+            <a:avLst/>
+          </a:prstGeom>
+          <a:ln>
+            <a:solidFill>
+              <a:schemeClr val="bg1"/>
+            </a:solidFill>
+          </a:ln>
+        </p:spPr>
+        <p:txBody>
+          <a:bodyPr vert="horz" lIns="91440" tIns="45720" rIns="91440" bIns="45720" rtlCol="0" anchor="t">
+            <a:normAutofit fontScale="92500"/>
+          </a:bodyPr>
+          <a:lstStyle>
+            <a:lvl1pPr marL="91440" indent="-91440" algn="l" defTabSz="914400" rtl="0" eaLnBrk="1" latinLnBrk="0" hangingPunct="1">
+              <a:lnSpc>
+                <a:spcPct val="100000"/>
+              </a:lnSpc>
+              <a:spcBef>
+                <a:spcPts val="1200"/>
+              </a:spcBef>
+              <a:spcAft>
+                <a:spcPts val="200"/>
+              </a:spcAft>
+              <a:buClr>
+                <a:schemeClr val="accent1"/>
+              </a:buClr>
+              <a:buSzPct val="100000"/>
+              <a:buFont typeface="Calibri" panose="020F0502020204030204" pitchFamily="34" charset="0"/>
+              <a:buChar char=" "/>
+              <a:defRPr sz="2400" kern="1200">
+                <a:solidFill>
+                  <a:schemeClr val="tx1">
+                    <a:lumMod val="75000"/>
+                    <a:lumOff val="25000"/>
+                  </a:schemeClr>
+                </a:solidFill>
+                <a:latin typeface="+mn-lt"/>
+                <a:ea typeface="+mn-ea"/>
+                <a:cs typeface="+mn-cs"/>
+              </a:defRPr>
+            </a:lvl1pPr>
+            <a:lvl2pPr marL="384048" indent="-182880" algn="l" defTabSz="914400" rtl="0" eaLnBrk="1" latinLnBrk="0" hangingPunct="1">
+              <a:lnSpc>
+                <a:spcPct val="100000"/>
+              </a:lnSpc>
+              <a:spcBef>
+                <a:spcPts val="200"/>
+              </a:spcBef>
+              <a:spcAft>
+                <a:spcPts val="400"/>
+              </a:spcAft>
+              <a:buClrTx/>
+              <a:buFont typeface="Calibri" pitchFamily="34" charset="0"/>
+              <a:buChar char="◦"/>
+              <a:defRPr sz="2000" kern="1200">
+                <a:solidFill>
+                  <a:schemeClr val="tx1">
+                    <a:lumMod val="75000"/>
+                    <a:lumOff val="25000"/>
+                  </a:schemeClr>
+                </a:solidFill>
+                <a:latin typeface="+mn-lt"/>
+                <a:ea typeface="+mn-ea"/>
+                <a:cs typeface="+mn-cs"/>
+              </a:defRPr>
+            </a:lvl2pPr>
+            <a:lvl3pPr marL="566928" indent="-182880" algn="l" defTabSz="914400" rtl="0" eaLnBrk="1" latinLnBrk="0" hangingPunct="1">
+              <a:lnSpc>
+                <a:spcPct val="100000"/>
+              </a:lnSpc>
+              <a:spcBef>
+                <a:spcPts val="200"/>
+              </a:spcBef>
+              <a:spcAft>
+                <a:spcPts val="400"/>
+              </a:spcAft>
+              <a:buClrTx/>
+              <a:buFont typeface="Calibri" pitchFamily="34" charset="0"/>
+              <a:buChar char="◦"/>
+              <a:defRPr sz="1600" kern="1200">
+                <a:solidFill>
+                  <a:schemeClr val="tx1">
+                    <a:lumMod val="75000"/>
+                    <a:lumOff val="25000"/>
+                  </a:schemeClr>
+                </a:solidFill>
+                <a:latin typeface="+mn-lt"/>
+                <a:ea typeface="+mn-ea"/>
+                <a:cs typeface="+mn-cs"/>
+              </a:defRPr>
+            </a:lvl3pPr>
+            <a:lvl4pPr marL="749808" indent="-182880" algn="l" defTabSz="914400" rtl="0" eaLnBrk="1" latinLnBrk="0" hangingPunct="1">
+              <a:lnSpc>
+                <a:spcPct val="100000"/>
+              </a:lnSpc>
+              <a:spcBef>
+                <a:spcPts val="200"/>
+              </a:spcBef>
+              <a:spcAft>
+                <a:spcPts val="400"/>
+              </a:spcAft>
+              <a:buClrTx/>
+              <a:buFont typeface="Calibri" pitchFamily="34" charset="0"/>
+              <a:buChar char="◦"/>
+              <a:defRPr sz="1600" kern="1200">
+                <a:solidFill>
+                  <a:schemeClr val="tx1">
+                    <a:lumMod val="75000"/>
+                    <a:lumOff val="25000"/>
+                  </a:schemeClr>
+                </a:solidFill>
+                <a:latin typeface="+mn-lt"/>
+                <a:ea typeface="+mn-ea"/>
+                <a:cs typeface="+mn-cs"/>
+              </a:defRPr>
+            </a:lvl4pPr>
+            <a:lvl5pPr marL="932688" indent="-182880" algn="l" defTabSz="914400" rtl="0" eaLnBrk="1" latinLnBrk="0" hangingPunct="1">
+              <a:lnSpc>
+                <a:spcPct val="100000"/>
+              </a:lnSpc>
+              <a:spcBef>
+                <a:spcPts val="200"/>
+              </a:spcBef>
+              <a:spcAft>
+                <a:spcPts val="400"/>
+              </a:spcAft>
+              <a:buClrTx/>
+              <a:buFont typeface="Calibri" pitchFamily="34" charset="0"/>
+              <a:buChar char="◦"/>
+              <a:defRPr sz="1600" kern="1200">
+                <a:solidFill>
+                  <a:schemeClr val="tx1">
+                    <a:lumMod val="75000"/>
+                    <a:lumOff val="25000"/>
+                  </a:schemeClr>
+                </a:solidFill>
+                <a:latin typeface="+mn-lt"/>
+                <a:ea typeface="+mn-ea"/>
+                <a:cs typeface="+mn-cs"/>
+              </a:defRPr>
+            </a:lvl5pPr>
+            <a:lvl6pPr marL="1100000" indent="-228600" algn="l" defTabSz="914400" rtl="0" eaLnBrk="1" latinLnBrk="0" hangingPunct="1">
+              <a:lnSpc>
+                <a:spcPct val="90000"/>
+              </a:lnSpc>
+              <a:spcBef>
+                <a:spcPts val="200"/>
+              </a:spcBef>
+              <a:spcAft>
+                <a:spcPts val="400"/>
+              </a:spcAft>
+              <a:buClr>
+                <a:schemeClr val="accent1"/>
+              </a:buClr>
+              <a:buFont typeface="Calibri" pitchFamily="34" charset="0"/>
+              <a:buChar char="◦"/>
+              <a:defRPr sz="1400" kern="1200">
+                <a:solidFill>
+                  <a:schemeClr val="tx1">
+                    <a:lumMod val="75000"/>
+                    <a:lumOff val="25000"/>
+                  </a:schemeClr>
+                </a:solidFill>
+                <a:latin typeface="+mn-lt"/>
+                <a:ea typeface="+mn-ea"/>
+                <a:cs typeface="+mn-cs"/>
+              </a:defRPr>
+            </a:lvl6pPr>
+            <a:lvl7pPr marL="1300000" indent="-228600" algn="l" defTabSz="914400" rtl="0" eaLnBrk="1" latinLnBrk="0" hangingPunct="1">
+              <a:lnSpc>
+                <a:spcPct val="90000"/>
+              </a:lnSpc>
+              <a:spcBef>
+                <a:spcPts val="200"/>
+              </a:spcBef>
+              <a:spcAft>
+                <a:spcPts val="400"/>
+              </a:spcAft>
+              <a:buClr>
+                <a:schemeClr val="accent1"/>
+              </a:buClr>
+              <a:buFont typeface="Calibri" pitchFamily="34" charset="0"/>
+              <a:buChar char="◦"/>
+              <a:defRPr sz="1400" kern="1200">
+                <a:solidFill>
+                  <a:schemeClr val="tx1">
+                    <a:lumMod val="75000"/>
+                    <a:lumOff val="25000"/>
+                  </a:schemeClr>
+                </a:solidFill>
+                <a:latin typeface="+mn-lt"/>
+                <a:ea typeface="+mn-ea"/>
+                <a:cs typeface="+mn-cs"/>
+              </a:defRPr>
+            </a:lvl7pPr>
+            <a:lvl8pPr marL="1500000" indent="-228600" algn="l" defTabSz="914400" rtl="0" eaLnBrk="1" latinLnBrk="0" hangingPunct="1">
+              <a:lnSpc>
+                <a:spcPct val="90000"/>
+              </a:lnSpc>
+              <a:spcBef>
+                <a:spcPts val="200"/>
+              </a:spcBef>
+              <a:spcAft>
+                <a:spcPts val="400"/>
+              </a:spcAft>
+              <a:buClr>
+                <a:schemeClr val="accent1"/>
+              </a:buClr>
+              <a:buFont typeface="Calibri" pitchFamily="34" charset="0"/>
+              <a:buChar char="◦"/>
+              <a:defRPr sz="1400" kern="1200">
+                <a:solidFill>
+                  <a:schemeClr val="tx1">
+                    <a:lumMod val="75000"/>
+                    <a:lumOff val="25000"/>
+                  </a:schemeClr>
+                </a:solidFill>
+                <a:latin typeface="+mn-lt"/>
+                <a:ea typeface="+mn-ea"/>
+                <a:cs typeface="+mn-cs"/>
+              </a:defRPr>
+            </a:lvl8pPr>
+            <a:lvl9pPr marL="1700000" indent="-228600" algn="l" defTabSz="914400" rtl="0" eaLnBrk="1" latinLnBrk="0" hangingPunct="1">
+              <a:lnSpc>
+                <a:spcPct val="90000"/>
+              </a:lnSpc>
+              <a:spcBef>
+                <a:spcPts val="200"/>
+              </a:spcBef>
+              <a:spcAft>
+                <a:spcPts val="400"/>
+              </a:spcAft>
+              <a:buClr>
+                <a:schemeClr val="accent1"/>
+              </a:buClr>
+              <a:buFont typeface="Calibri" pitchFamily="34" charset="0"/>
+              <a:buChar char="◦"/>
+              <a:defRPr sz="1400" kern="1200">
+                <a:solidFill>
+                  <a:schemeClr val="tx1">
+                    <a:lumMod val="75000"/>
+                    <a:lumOff val="25000"/>
+                  </a:schemeClr>
+                </a:solidFill>
+                <a:latin typeface="+mn-lt"/>
+                <a:ea typeface="+mn-ea"/>
+                <a:cs typeface="+mn-cs"/>
+              </a:defRPr>
+            </a:lvl9pPr>
+          </a:lstStyle>
+          <a:p>
+            <a:pPr algn="just">
+              <a:lnSpc>
+                <a:spcPct val="90000"/>
+              </a:lnSpc>
+              <a:spcBef>
+                <a:spcPct val="0"/>
+              </a:spcBef>
+              <a:buNone/>
+            </a:pPr>
+            <a:r>
+              <a:rPr lang="en-US" sz="2000" spc="-50" dirty="0">
+                <a:latin typeface="Arial" panose="020B0604020202020204" pitchFamily="34" charset="0"/>
+                <a:ea typeface="+mj-ea"/>
+                <a:cs typeface="Arial" panose="020B0604020202020204" pitchFamily="34" charset="0"/>
+              </a:rPr>
+              <a:t>Ex: “27” = 01, “67”=10, “88”=11</a:t>
             </a:r>
           </a:p>
         </p:txBody>
